--- a/E-commerce Backend.pptx
+++ b/E-commerce Backend.pptx
@@ -122,6 +122,11 @@
       </a:defRPr>
     </a:lvl9pPr>
   </p:defaultTextStyle>
+  <p:extLst>
+    <p:ext uri="{EFAFB233-063F-42B5-8137-9DF3F51BA10A}">
+      <p15:sldGuideLst xmlns:p15="http://schemas.microsoft.com/office/powerpoint/2012/main"/>
+    </p:ext>
+  </p:extLst>
 </p:presentation>
 </file>
 
@@ -7368,13 +7373,8 @@
             </a:pPr>
             <a:r>
               <a:rPr lang="en-GB" dirty="0"/>
-              <a:t>Setup </a:t>
-            </a:r>
-            <a:r>
-              <a:rPr lang="en-GB" dirty="0" err="1"/>
-              <a:t>Intructions</a:t>
-            </a:r>
-            <a:endParaRPr lang="en-GB" dirty="0"/>
+              <a:t>Setup Instructions</a:t>
+            </a:r>
           </a:p>
           <a:p>
             <a:pPr>
@@ -7564,16 +7564,16 @@
               <a:buNone/>
             </a:pPr>
             <a:r>
-              <a:rPr lang="en-US" dirty="0"/>
-              <a:t>C</a:t>
-            </a:r>
-            <a:r>
-              <a:rPr lang="en-GB" dirty="0" err="1"/>
-              <a:t>urrent</a:t>
-            </a:r>
-            <a:r>
-              <a:rPr lang="en-GB" dirty="0"/>
-              <a:t> limitations:</a:t>
+              <a:rPr lang="en-US"/>
+              <a:t>Current</a:t>
+            </a:r>
+            <a:r>
+              <a:rPr lang="en-GB"/>
+              <a:t> </a:t>
+            </a:r>
+            <a:r>
+              <a:rPr lang="en-GB" dirty="0"/>
+              <a:t>limitations:</a:t>
             </a:r>
           </a:p>
         </p:txBody>
@@ -8309,49 +8309,49 @@
             </a:pPr>
             <a:r>
               <a:rPr lang="en-GB" dirty="0"/>
-              <a:t>Proposed Future Improvements</a:t>
-            </a:r>
-          </a:p>
-          <a:p>
-            <a:r>
-              <a:rPr lang="en-GB" dirty="0"/>
-              <a:t>Add Authentication &amp; Authorization</a:t>
-            </a:r>
-          </a:p>
-          <a:p>
-            <a:r>
-              <a:rPr lang="en-GB" dirty="0"/>
-              <a:t>Inventory Management System</a:t>
-            </a:r>
-          </a:p>
-          <a:p>
-            <a:r>
-              <a:rPr lang="en-GB" dirty="0"/>
-              <a:t>Product Attributes &amp; Extensions</a:t>
-            </a:r>
-          </a:p>
-          <a:p>
-            <a:r>
-              <a:rPr lang="en-GB" dirty="0"/>
-              <a:t>Pricing &amp; Promotions</a:t>
-            </a:r>
-          </a:p>
-          <a:p>
-            <a:r>
-              <a:rPr lang="en-GB" dirty="0"/>
-              <a:t>Cloud File Storage</a:t>
-            </a:r>
-          </a:p>
-          <a:p>
-            <a:r>
-              <a:rPr lang="en-GB" dirty="0"/>
-              <a:t> Rate Limiting</a:t>
-            </a:r>
-          </a:p>
-          <a:p>
-            <a:r>
-              <a:rPr lang="en-GB" dirty="0"/>
-              <a:t>Search Optimization </a:t>
+              <a:t>Future improvements</a:t>
+            </a:r>
+          </a:p>
+          <a:p>
+            <a:r>
+              <a:rPr lang="en-GB" dirty="0"/>
+              <a:t>Add authentication &amp; authorization</a:t>
+            </a:r>
+          </a:p>
+          <a:p>
+            <a:r>
+              <a:rPr lang="en-GB" dirty="0"/>
+              <a:t>Inventory management system</a:t>
+            </a:r>
+          </a:p>
+          <a:p>
+            <a:r>
+              <a:rPr lang="en-GB" dirty="0"/>
+              <a:t>Product attributes &amp; extensions</a:t>
+            </a:r>
+          </a:p>
+          <a:p>
+            <a:r>
+              <a:rPr lang="en-GB" dirty="0"/>
+              <a:t>Pricing &amp; promotions</a:t>
+            </a:r>
+          </a:p>
+          <a:p>
+            <a:r>
+              <a:rPr lang="en-GB" dirty="0"/>
+              <a:t>Cloud file storage</a:t>
+            </a:r>
+          </a:p>
+          <a:p>
+            <a:r>
+              <a:rPr lang="en-GB" dirty="0"/>
+              <a:t>Rate limiting</a:t>
+            </a:r>
+          </a:p>
+          <a:p>
+            <a:r>
+              <a:rPr lang="en-GB" dirty="0"/>
+              <a:t>Search optimization </a:t>
             </a:r>
           </a:p>
         </p:txBody>
@@ -9642,12 +9642,12 @@
         <p:spPr>
           <a:xfrm>
             <a:off x="677334" y="1559859"/>
-            <a:ext cx="8596668" cy="4481503"/>
+            <a:ext cx="8596668" cy="4894729"/>
           </a:xfrm>
         </p:spPr>
         <p:txBody>
           <a:bodyPr>
-            <a:normAutofit fontScale="92500" lnSpcReduction="10000"/>
+            <a:normAutofit/>
           </a:bodyPr>
           <a:lstStyle/>
           <a:p>

--- a/E-commerce Backend.pptx
+++ b/E-commerce Backend.pptx
@@ -5876,31 +5876,6 @@
           </a:p>
         </p:txBody>
       </p:sp>
-      <p:sp>
-        <p:nvSpPr>
-          <p:cNvPr id="3" name="Subtitle 2">
-            <a:extLst>
-              <a:ext uri="{FF2B5EF4-FFF2-40B4-BE49-F238E27FC236}">
-                <a16:creationId xmlns:a16="http://schemas.microsoft.com/office/drawing/2014/main" id="{86127651-7153-BF3E-259F-DA9D5A4B7D26}"/>
-              </a:ext>
-            </a:extLst>
-          </p:cNvPr>
-          <p:cNvSpPr>
-            <a:spLocks noGrp="1"/>
-          </p:cNvSpPr>
-          <p:nvPr>
-            <p:ph type="subTitle" idx="1"/>
-          </p:nvPr>
-        </p:nvSpPr>
-        <p:spPr/>
-        <p:txBody>
-          <a:bodyPr/>
-          <a:lstStyle/>
-          <a:p>
-            <a:endParaRPr lang="en-GB"/>
-          </a:p>
-        </p:txBody>
-      </p:sp>
     </p:spTree>
     <p:extLst>
       <p:ext uri="{BB962C8B-B14F-4D97-AF65-F5344CB8AC3E}">
